--- a/run-python-tools/2022-06-01_package_managers_environments.pptx
+++ b/run-python-tools/2022-06-01_package_managers_environments.pptx
@@ -7,7 +7,7 @@
     <p:sldMasterId id="2147483674" r:id="rId3"/>
   </p:sldMasterIdLst>
   <p:notesMasterIdLst>
-    <p:notesMasterId r:id="rId12"/>
+    <p:notesMasterId r:id="rId13"/>
   </p:notesMasterIdLst>
   <p:sldIdLst>
     <p:sldId id="256" r:id="rId4"/>
@@ -18,6 +18,7 @@
     <p:sldId id="270" r:id="rId9"/>
     <p:sldId id="271" r:id="rId10"/>
     <p:sldId id="273" r:id="rId11"/>
+    <p:sldId id="274" r:id="rId12"/>
   </p:sldIdLst>
   <p:sldSz cx="9144000" cy="5143500" type="screen16x9"/>
   <p:notesSz cx="6858000" cy="9144000"/>
@@ -116,6 +117,11 @@
       </a:defRPr>
     </a:lvl9pPr>
   </p:defaultTextStyle>
+  <p:extLst>
+    <p:ext uri="{EFAFB233-063F-42B5-8137-9DF3F51BA10A}">
+      <p15:sldGuideLst xmlns:p15="http://schemas.microsoft.com/office/powerpoint/2012/main"/>
+    </p:ext>
+  </p:extLst>
 </p:presentation>
 </file>
 
@@ -1397,6 +1403,126 @@
     <p:extLst>
       <p:ext uri="{BB962C8B-B14F-4D97-AF65-F5344CB8AC3E}">
         <p14:creationId xmlns:p14="http://schemas.microsoft.com/office/powerpoint/2010/main" val="360052750"/>
+      </p:ext>
+    </p:extLst>
+  </p:cSld>
+  <p:clrMapOvr>
+    <a:masterClrMapping/>
+  </p:clrMapOvr>
+</p:notes>
+</file>
+
+<file path=ppt/notesSlides/notesSlide8.xml><?xml version="1.0" encoding="utf-8"?>
+<p:notes xmlns:a="http://schemas.openxmlformats.org/drawingml/2006/main" xmlns:r="http://schemas.openxmlformats.org/officeDocument/2006/relationships" xmlns:p="http://schemas.openxmlformats.org/presentationml/2006/main">
+  <p:cSld>
+    <p:spTree>
+      <p:nvGrpSpPr>
+        <p:cNvPr id="1" name=""/>
+        <p:cNvGrpSpPr/>
+        <p:nvPr/>
+      </p:nvGrpSpPr>
+      <p:grpSpPr>
+        <a:xfrm>
+          <a:off x="0" y="0"/>
+          <a:ext cx="0" cy="0"/>
+          <a:chOff x="0" y="0"/>
+          <a:chExt cx="0" cy="0"/>
+        </a:xfrm>
+      </p:grpSpPr>
+      <p:sp>
+        <p:nvSpPr>
+          <p:cNvPr id="2" name="Slide Image Placeholder 1"/>
+          <p:cNvSpPr>
+            <a:spLocks noGrp="1" noRot="1" noChangeAspect="1"/>
+          </p:cNvSpPr>
+          <p:nvPr>
+            <p:ph type="sldImg"/>
+          </p:nvPr>
+        </p:nvSpPr>
+        <p:spPr>
+          <a:xfrm>
+            <a:off x="217488" y="812800"/>
+            <a:ext cx="7124700" cy="4008438"/>
+          </a:xfrm>
+        </p:spPr>
+      </p:sp>
+      <p:sp>
+        <p:nvSpPr>
+          <p:cNvPr id="3" name="Notes Placeholder 2"/>
+          <p:cNvSpPr>
+            <a:spLocks noGrp="1"/>
+          </p:cNvSpPr>
+          <p:nvPr>
+            <p:ph type="body" idx="1"/>
+          </p:nvPr>
+        </p:nvSpPr>
+        <p:spPr/>
+        <p:txBody>
+          <a:bodyPr/>
+          <a:lstStyle/>
+          <a:p>
+            <a:r>
+              <a:rPr lang="en-DE" dirty="0"/>
+              <a:t>A package consists of code, written by someone that you can reuse for your own purposes</a:t>
+            </a:r>
+          </a:p>
+          <a:p>
+            <a:r>
+              <a:rPr lang="en-DE" dirty="0"/>
+              <a:t>Central idea: You do not want to reinvent the wheel for every software project. </a:t>
+            </a:r>
+          </a:p>
+          <a:p>
+            <a:r>
+              <a:rPr lang="en-DE" dirty="0"/>
+              <a:t>Simple example: Somebody wrote code that plots data on a 2D coordinate system, you have some data as well. You just ask him for his code, supply your own data and boom there is your plot. 1 line of code. </a:t>
+            </a:r>
+          </a:p>
+          <a:p>
+            <a:endParaRPr lang="en-DE" dirty="0"/>
+          </a:p>
+          <a:p>
+            <a:r>
+              <a:rPr lang="en-DE" dirty="0"/>
+              <a:t>Why do packages need managing? Lets look at an example for this! </a:t>
+            </a:r>
+          </a:p>
+        </p:txBody>
+      </p:sp>
+      <p:sp>
+        <p:nvSpPr>
+          <p:cNvPr id="4" name="Slide Number Placeholder 3"/>
+          <p:cNvSpPr>
+            <a:spLocks noGrp="1"/>
+          </p:cNvSpPr>
+          <p:nvPr>
+            <p:ph type="sldNum" idx="3"/>
+          </p:nvPr>
+        </p:nvSpPr>
+        <p:spPr/>
+        <p:txBody>
+          <a:bodyPr/>
+          <a:lstStyle/>
+          <a:p>
+            <a:pPr algn="r">
+              <a:buNone/>
+            </a:pPr>
+            <a:fld id="{5DCA6ED5-2CFE-4F27-A356-9DC393C92624}" type="slidenum">
+              <a:rPr lang="en-US" sz="1400" b="0" strike="noStrike" spc="-1" smtClean="0">
+                <a:latin typeface="Times New Roman"/>
+              </a:rPr>
+              <a:t>9</a:t>
+            </a:fld>
+            <a:endParaRPr lang="en-US" sz="1400" b="0" strike="noStrike" spc="-1">
+              <a:latin typeface="Times New Roman"/>
+            </a:endParaRPr>
+          </a:p>
+        </p:txBody>
+      </p:sp>
+    </p:spTree>
+    <p:extLst>
+      <p:ext uri="{BB962C8B-B14F-4D97-AF65-F5344CB8AC3E}">
+        <p14:creationId xmlns:p14="http://schemas.microsoft.com/office/powerpoint/2010/main" val="172450834"/>
       </p:ext>
     </p:extLst>
   </p:cSld>
@@ -8668,7 +8794,7 @@
                 <a:latin typeface="Roboto Light"/>
                 <a:ea typeface="Roboto Light"/>
               </a:rPr>
-              <a:t>31.05.22</a:t>
+              <a:t>01.06.22</a:t>
             </a:fld>
             <a:endParaRPr lang="en-US" sz="900" b="0" strike="noStrike" spc="-1">
               <a:latin typeface="Arial"/>
@@ -9275,7 +9401,7 @@
                 <a:latin typeface="Roboto Light"/>
                 <a:ea typeface="Roboto Light"/>
               </a:rPr>
-              <a:t>31.05.22</a:t>
+              <a:t>01.06.22</a:t>
             </a:fld>
             <a:endParaRPr lang="en-US" sz="900" b="0" strike="noStrike" spc="-1">
               <a:latin typeface="Arial"/>
@@ -9883,7 +10009,7 @@
                 <a:latin typeface="Roboto Light"/>
                 <a:ea typeface="Roboto Light"/>
               </a:rPr>
-              <a:t>31.05.22</a:t>
+              <a:t>01.06.22</a:t>
             </a:fld>
             <a:endParaRPr lang="en-US" sz="900" b="0" strike="noStrike" spc="-1">
               <a:latin typeface="Arial"/>
@@ -11359,13 +11485,13 @@
   <p:clrMapOvr>
     <a:masterClrMapping/>
   </p:clrMapOvr>
-  <mc:AlternateContent xmlns:mc="http://schemas.openxmlformats.org/markup-compatibility/2006">
-    <mc:Choice xmlns:p14="http://schemas.microsoft.com/office/powerpoint/2010/main" Requires="p14">
+  <mc:AlternateContent xmlns:mc="http://schemas.openxmlformats.org/markup-compatibility/2006" xmlns:p14="http://schemas.microsoft.com/office/powerpoint/2010/main">
+    <mc:Choice Requires="p14">
       <p:transition spd="med" p14:dur="700">
         <p:fade/>
       </p:transition>
     </mc:Choice>
-    <mc:Fallback>
+    <mc:Fallback xmlns="">
       <p:transition spd="med">
         <p:fade/>
       </p:transition>
@@ -12374,7 +12500,7 @@
                 <a:latin typeface="Roboto Light"/>
                 <a:ea typeface="Roboto Light"/>
               </a:rPr>
-              <a:t>31.05.22</a:t>
+              <a:t>01.06.22</a:t>
             </a:fld>
             <a:endParaRPr lang="en-US" sz="900" b="0" strike="noStrike" spc="-1">
               <a:latin typeface="Arial"/>
@@ -14776,7 +14902,7 @@
                 <a:latin typeface="Roboto Light"/>
                 <a:ea typeface="Roboto Light"/>
               </a:rPr>
-              <a:t>31.05.22</a:t>
+              <a:t>01.06.22</a:t>
             </a:fld>
             <a:endParaRPr lang="en-US" sz="900" b="0" strike="noStrike" spc="-1">
               <a:latin typeface="Arial"/>
@@ -15707,6 +15833,417 @@
     <p:extLst>
       <p:ext uri="{BB962C8B-B14F-4D97-AF65-F5344CB8AC3E}">
         <p14:creationId xmlns:p14="http://schemas.microsoft.com/office/powerpoint/2010/main" val="2778631898"/>
+      </p:ext>
+    </p:extLst>
+  </p:cSld>
+  <p:clrMapOvr>
+    <a:masterClrMapping/>
+  </p:clrMapOvr>
+</p:sld>
+</file>
+
+<file path=ppt/slides/slide9.xml><?xml version="1.0" encoding="utf-8"?>
+<p:sld xmlns:a="http://schemas.openxmlformats.org/drawingml/2006/main" xmlns:r="http://schemas.openxmlformats.org/officeDocument/2006/relationships" xmlns:p="http://schemas.openxmlformats.org/presentationml/2006/main">
+  <p:cSld>
+    <p:spTree>
+      <p:nvGrpSpPr>
+        <p:cNvPr id="1" name=""/>
+        <p:cNvGrpSpPr/>
+        <p:nvPr/>
+      </p:nvGrpSpPr>
+      <p:grpSpPr>
+        <a:xfrm>
+          <a:off x="0" y="0"/>
+          <a:ext cx="0" cy="0"/>
+          <a:chOff x="0" y="0"/>
+          <a:chExt cx="0" cy="0"/>
+        </a:xfrm>
+      </p:grpSpPr>
+      <p:sp>
+        <p:nvSpPr>
+          <p:cNvPr id="197" name="CustomShape 1"/>
+          <p:cNvSpPr/>
+          <p:nvPr/>
+        </p:nvSpPr>
+        <p:spPr>
+          <a:xfrm>
+            <a:off x="628560" y="4860360"/>
+            <a:ext cx="2055600" cy="272160"/>
+          </a:xfrm>
+          <a:prstGeom prst="rect">
+            <a:avLst/>
+          </a:prstGeom>
+          <a:noFill/>
+          <a:ln w="0">
+            <a:noFill/>
+          </a:ln>
+        </p:spPr>
+        <p:style>
+          <a:lnRef idx="0">
+            <a:scrgbClr r="0" g="0" b="0"/>
+          </a:lnRef>
+          <a:fillRef idx="0">
+            <a:scrgbClr r="0" g="0" b="0"/>
+          </a:fillRef>
+          <a:effectRef idx="0">
+            <a:scrgbClr r="0" g="0" b="0"/>
+          </a:effectRef>
+          <a:fontRef idx="minor"/>
+        </p:style>
+        <p:txBody>
+          <a:bodyPr lIns="90000" tIns="45000" rIns="90000" bIns="45000" anchor="ctr">
+            <a:noAutofit/>
+          </a:bodyPr>
+          <a:lstStyle/>
+          <a:p>
+            <a:pPr>
+              <a:lnSpc>
+                <a:spcPct val="100000"/>
+              </a:lnSpc>
+              <a:buNone/>
+            </a:pPr>
+            <a:fld id="{7E2D9A2A-F306-4F64-98E4-1FF317FC7006}" type="datetime1">
+              <a:rPr lang="de-DE" sz="900" b="0" strike="noStrike" spc="-1">
+                <a:solidFill>
+                  <a:srgbClr val="1C2D51"/>
+                </a:solidFill>
+                <a:latin typeface="Roboto Light"/>
+                <a:ea typeface="Roboto Light"/>
+              </a:rPr>
+              <a:t>01.06.22</a:t>
+            </a:fld>
+            <a:endParaRPr lang="en-US" sz="900" b="0" strike="noStrike" spc="-1">
+              <a:latin typeface="Arial"/>
+            </a:endParaRPr>
+          </a:p>
+        </p:txBody>
+      </p:sp>
+      <p:sp>
+        <p:nvSpPr>
+          <p:cNvPr id="198" name="CustomShape 2"/>
+          <p:cNvSpPr/>
+          <p:nvPr/>
+        </p:nvSpPr>
+        <p:spPr>
+          <a:xfrm>
+            <a:off x="3029040" y="4860360"/>
+            <a:ext cx="3084480" cy="272160"/>
+          </a:xfrm>
+          <a:prstGeom prst="rect">
+            <a:avLst/>
+          </a:prstGeom>
+          <a:noFill/>
+          <a:ln w="0">
+            <a:noFill/>
+          </a:ln>
+        </p:spPr>
+        <p:style>
+          <a:lnRef idx="0">
+            <a:scrgbClr r="0" g="0" b="0"/>
+          </a:lnRef>
+          <a:fillRef idx="0">
+            <a:scrgbClr r="0" g="0" b="0"/>
+          </a:fillRef>
+          <a:effectRef idx="0">
+            <a:scrgbClr r="0" g="0" b="0"/>
+          </a:effectRef>
+          <a:fontRef idx="minor"/>
+        </p:style>
+        <p:txBody>
+          <a:bodyPr lIns="90000" tIns="45000" rIns="90000" bIns="45000" anchor="ctr">
+            <a:noAutofit/>
+          </a:bodyPr>
+          <a:lstStyle/>
+          <a:p>
+            <a:pPr algn="ctr">
+              <a:lnSpc>
+                <a:spcPct val="100000"/>
+              </a:lnSpc>
+              <a:buNone/>
+            </a:pPr>
+            <a:r>
+              <a:rPr lang="de-DE" sz="900" b="0" strike="noStrike" spc="-1" dirty="0">
+                <a:solidFill>
+                  <a:srgbClr val="1C2D51"/>
+                </a:solidFill>
+                <a:latin typeface="Roboto Light"/>
+                <a:ea typeface="Roboto Light"/>
+              </a:rPr>
+              <a:t>Reiner Lemoine Institut</a:t>
+            </a:r>
+            <a:endParaRPr lang="en-US" sz="900" b="0" strike="noStrike" spc="-1" dirty="0">
+              <a:latin typeface="Arial"/>
+            </a:endParaRPr>
+          </a:p>
+        </p:txBody>
+      </p:sp>
+      <p:sp>
+        <p:nvSpPr>
+          <p:cNvPr id="199" name="CustomShape 3"/>
+          <p:cNvSpPr/>
+          <p:nvPr/>
+        </p:nvSpPr>
+        <p:spPr>
+          <a:xfrm>
+            <a:off x="6458040" y="4860360"/>
+            <a:ext cx="2055600" cy="272160"/>
+          </a:xfrm>
+          <a:prstGeom prst="rect">
+            <a:avLst/>
+          </a:prstGeom>
+          <a:noFill/>
+          <a:ln w="0">
+            <a:noFill/>
+          </a:ln>
+        </p:spPr>
+        <p:style>
+          <a:lnRef idx="0">
+            <a:scrgbClr r="0" g="0" b="0"/>
+          </a:lnRef>
+          <a:fillRef idx="0">
+            <a:scrgbClr r="0" g="0" b="0"/>
+          </a:fillRef>
+          <a:effectRef idx="0">
+            <a:scrgbClr r="0" g="0" b="0"/>
+          </a:effectRef>
+          <a:fontRef idx="minor"/>
+        </p:style>
+        <p:txBody>
+          <a:bodyPr lIns="90000" tIns="45000" rIns="90000" bIns="45000" anchor="ctr">
+            <a:noAutofit/>
+          </a:bodyPr>
+          <a:lstStyle/>
+          <a:p>
+            <a:pPr algn="r">
+              <a:lnSpc>
+                <a:spcPct val="100000"/>
+              </a:lnSpc>
+              <a:buNone/>
+            </a:pPr>
+            <a:fld id="{C33170F8-6FFF-4011-8E3A-4B2A9C1C5998}" type="slidenum">
+              <a:rPr lang="de-DE" sz="900" b="0" strike="noStrike" spc="-1">
+                <a:solidFill>
+                  <a:srgbClr val="1C2D51"/>
+                </a:solidFill>
+                <a:latin typeface="Roboto Light"/>
+                <a:ea typeface="Roboto Light"/>
+              </a:rPr>
+              <a:t>9</a:t>
+            </a:fld>
+            <a:endParaRPr lang="en-US" sz="900" b="0" strike="noStrike" spc="-1">
+              <a:latin typeface="Arial"/>
+            </a:endParaRPr>
+          </a:p>
+        </p:txBody>
+      </p:sp>
+      <p:sp>
+        <p:nvSpPr>
+          <p:cNvPr id="200" name="CustomShape 4"/>
+          <p:cNvSpPr/>
+          <p:nvPr/>
+        </p:nvSpPr>
+        <p:spPr>
+          <a:xfrm>
+            <a:off x="628560" y="277560"/>
+            <a:ext cx="7163640" cy="519480"/>
+          </a:xfrm>
+          <a:prstGeom prst="rect">
+            <a:avLst/>
+          </a:prstGeom>
+          <a:noFill/>
+          <a:ln w="0">
+            <a:noFill/>
+          </a:ln>
+        </p:spPr>
+        <p:style>
+          <a:lnRef idx="0">
+            <a:scrgbClr r="0" g="0" b="0"/>
+          </a:lnRef>
+          <a:fillRef idx="0">
+            <a:scrgbClr r="0" g="0" b="0"/>
+          </a:fillRef>
+          <a:effectRef idx="0">
+            <a:scrgbClr r="0" g="0" b="0"/>
+          </a:effectRef>
+          <a:fontRef idx="minor"/>
+        </p:style>
+        <p:txBody>
+          <a:bodyPr lIns="0" tIns="45000" rIns="90000" bIns="45000" anchor="ctr">
+            <a:noAutofit/>
+          </a:bodyPr>
+          <a:lstStyle/>
+          <a:p>
+            <a:pPr>
+              <a:lnSpc>
+                <a:spcPct val="90000"/>
+              </a:lnSpc>
+              <a:buNone/>
+            </a:pPr>
+            <a:r>
+              <a:rPr lang="de-DE" sz="2400" b="1" spc="-1" dirty="0">
+                <a:solidFill>
+                  <a:srgbClr val="002E4F"/>
+                </a:solidFill>
+                <a:latin typeface="Roboto"/>
+                <a:ea typeface="Roboto"/>
+              </a:rPr>
+              <a:t>Summary – </a:t>
+            </a:r>
+            <a:r>
+              <a:rPr lang="de-DE" sz="2400" b="1" spc="-1" dirty="0" err="1">
+                <a:solidFill>
+                  <a:srgbClr val="002E4F"/>
+                </a:solidFill>
+                <a:latin typeface="Roboto"/>
+                <a:ea typeface="Roboto"/>
+              </a:rPr>
+              <a:t>Steps</a:t>
+            </a:r>
+            <a:r>
+              <a:rPr lang="de-DE" sz="2400" b="1" spc="-1" dirty="0">
+                <a:solidFill>
+                  <a:srgbClr val="002E4F"/>
+                </a:solidFill>
+                <a:latin typeface="Roboto"/>
+                <a:ea typeface="Roboto"/>
+              </a:rPr>
+              <a:t> </a:t>
+            </a:r>
+            <a:r>
+              <a:rPr lang="de-DE" sz="2400" b="1" spc="-1" dirty="0" err="1">
+                <a:solidFill>
+                  <a:srgbClr val="002E4F"/>
+                </a:solidFill>
+                <a:latin typeface="Roboto"/>
+                <a:ea typeface="Roboto"/>
+              </a:rPr>
+              <a:t>to</a:t>
+            </a:r>
+            <a:r>
+              <a:rPr lang="de-DE" sz="2400" b="1" spc="-1" dirty="0">
+                <a:solidFill>
+                  <a:srgbClr val="002E4F"/>
+                </a:solidFill>
+                <a:latin typeface="Roboto"/>
+                <a:ea typeface="Roboto"/>
+              </a:rPr>
+              <a:t> </a:t>
+            </a:r>
+            <a:r>
+              <a:rPr lang="de-DE" sz="2400" b="1" spc="-1" dirty="0" err="1">
+                <a:solidFill>
+                  <a:srgbClr val="002E4F"/>
+                </a:solidFill>
+                <a:latin typeface="Roboto"/>
+                <a:ea typeface="Roboto"/>
+              </a:rPr>
+              <a:t>reproduce</a:t>
+            </a:r>
+            <a:endParaRPr lang="en-US" sz="2400" b="0" strike="noStrike" spc="-1" dirty="0">
+              <a:latin typeface="Arial"/>
+            </a:endParaRPr>
+          </a:p>
+        </p:txBody>
+      </p:sp>
+      <p:sp>
+        <p:nvSpPr>
+          <p:cNvPr id="4" name="TextBox 3">
+            <a:extLst>
+              <a:ext uri="{FF2B5EF4-FFF2-40B4-BE49-F238E27FC236}">
+                <a16:creationId xmlns:a16="http://schemas.microsoft.com/office/drawing/2014/main" id="{8DCA061B-F933-15F1-1783-9272B1D27055}"/>
+              </a:ext>
+            </a:extLst>
+          </p:cNvPr>
+          <p:cNvSpPr txBox="1"/>
+          <p:nvPr/>
+        </p:nvSpPr>
+        <p:spPr>
+          <a:xfrm>
+            <a:off x="732155" y="1045120"/>
+            <a:ext cx="7904728" cy="3330335"/>
+          </a:xfrm>
+          <a:prstGeom prst="rect">
+            <a:avLst/>
+          </a:prstGeom>
+          <a:noFill/>
+        </p:spPr>
+        <p:txBody>
+          <a:bodyPr wrap="none" rtlCol="0">
+            <a:spAutoFit/>
+          </a:bodyPr>
+          <a:lstStyle/>
+          <a:p>
+            <a:pPr>
+              <a:lnSpc>
+                <a:spcPct val="200000"/>
+              </a:lnSpc>
+            </a:pPr>
+            <a:r>
+              <a:rPr lang="en-DE" dirty="0"/>
+              <a:t>Before you start a new project or download a new tool complete these three</a:t>
+            </a:r>
+          </a:p>
+          <a:p>
+            <a:pPr>
+              <a:lnSpc>
+                <a:spcPct val="200000"/>
+              </a:lnSpc>
+            </a:pPr>
+            <a:r>
+              <a:rPr lang="en-DE" dirty="0"/>
+              <a:t>using the commands from the previous slide: </a:t>
+            </a:r>
+          </a:p>
+          <a:p>
+            <a:pPr>
+              <a:lnSpc>
+                <a:spcPct val="200000"/>
+              </a:lnSpc>
+            </a:pPr>
+            <a:endParaRPr lang="en-DE" dirty="0"/>
+          </a:p>
+          <a:p>
+            <a:pPr marL="342900" indent="-342900">
+              <a:lnSpc>
+                <a:spcPct val="200000"/>
+              </a:lnSpc>
+              <a:buAutoNum type="arabicPeriod"/>
+            </a:pPr>
+            <a:r>
+              <a:rPr lang="en-DE" dirty="0"/>
+              <a:t>Create environment</a:t>
+            </a:r>
+          </a:p>
+          <a:p>
+            <a:pPr marL="342900" indent="-342900">
+              <a:lnSpc>
+                <a:spcPct val="200000"/>
+              </a:lnSpc>
+              <a:buAutoNum type="arabicPeriod"/>
+            </a:pPr>
+            <a:r>
+              <a:rPr lang="en-DE" dirty="0"/>
+              <a:t>Enter environment</a:t>
+            </a:r>
+          </a:p>
+          <a:p>
+            <a:pPr marL="342900" indent="-342900">
+              <a:lnSpc>
+                <a:spcPct val="200000"/>
+              </a:lnSpc>
+              <a:buAutoNum type="arabicPeriod"/>
+            </a:pPr>
+            <a:r>
+              <a:rPr lang="en-DE" dirty="0"/>
+              <a:t>Install packages your tool needs (info provided on github page)</a:t>
+            </a:r>
+          </a:p>
+        </p:txBody>
+      </p:sp>
+    </p:spTree>
+    <p:extLst>
+      <p:ext uri="{BB962C8B-B14F-4D97-AF65-F5344CB8AC3E}">
+        <p14:creationId xmlns:p14="http://schemas.microsoft.com/office/powerpoint/2010/main" val="3511707380"/>
       </p:ext>
     </p:extLst>
   </p:cSld>
